--- a/Gioi_thieu.pptx
+++ b/Gioi_thieu.pptx
@@ -110,6 +110,11 @@
       </a:defRPr>
     </a:lvl9pPr>
   </p:defaultTextStyle>
+  <p:extLst>
+    <p:ext uri="{EFAFB233-063F-42B5-8137-9DF3F51BA10A}">
+      <p15:sldGuideLst xmlns:p15="http://schemas.microsoft.com/office/powerpoint/2012/main"/>
+    </p:ext>
+  </p:extLst>
 </p:presentation>
 </file>
 
@@ -276,7 +281,7 @@
           <a:p>
             <a:fld id="{1160EA64-D806-43AC-9DF2-F8C432F32B4C}" type="datetimeFigureOut">
               <a:rPr lang="en-US" dirty="0"/>
-              <a:t>1/16/2024</a:t>
+              <a:t>1/17/2024</a:t>
             </a:fld>
             <a:endParaRPr lang="en-US" dirty="0"/>
           </a:p>
@@ -442,7 +447,7 @@
           <a:p>
             <a:fld id="{E9F9C37B-1D36-470B-8223-D6C91242EC14}" type="datetimeFigureOut">
               <a:rPr lang="en-US" dirty="0"/>
-              <a:t>1/16/2024</a:t>
+              <a:t>1/17/2024</a:t>
             </a:fld>
             <a:endParaRPr lang="en-US" dirty="0"/>
           </a:p>
@@ -617,7 +622,7 @@
           <a:p>
             <a:fld id="{67C6F52A-A82B-47A2-A83A-8C4C91F2D59F}" type="datetimeFigureOut">
               <a:rPr lang="en-US" dirty="0"/>
-              <a:t>1/16/2024</a:t>
+              <a:t>1/17/2024</a:t>
             </a:fld>
             <a:endParaRPr lang="en-US" dirty="0"/>
           </a:p>
@@ -782,7 +787,7 @@
           <a:p>
             <a:fld id="{F070A7B3-6521-4DCA-87E5-044747A908C1}" type="datetimeFigureOut">
               <a:rPr lang="en-US" dirty="0"/>
-              <a:t>1/16/2024</a:t>
+              <a:t>1/17/2024</a:t>
             </a:fld>
             <a:endParaRPr lang="en-US" dirty="0"/>
           </a:p>
@@ -1046,7 +1051,7 @@
           <a:p>
             <a:fld id="{1160EA64-D806-43AC-9DF2-F8C432F32B4C}" type="datetimeFigureOut">
               <a:rPr lang="en-US" dirty="0"/>
-              <a:t>1/16/2024</a:t>
+              <a:t>1/17/2024</a:t>
             </a:fld>
             <a:endParaRPr lang="en-US" dirty="0"/>
           </a:p>
@@ -1274,7 +1279,7 @@
           <a:p>
             <a:fld id="{AB134690-1557-4C89-A502-4959FE7FAD70}" type="datetimeFigureOut">
               <a:rPr lang="en-US" dirty="0"/>
-              <a:t>1/16/2024</a:t>
+              <a:t>1/17/2024</a:t>
             </a:fld>
             <a:endParaRPr lang="en-US" dirty="0"/>
           </a:p>
@@ -1628,7 +1633,7 @@
           <a:p>
             <a:fld id="{4F7D4976-E339-4826-83B7-FBD03F55ECF8}" type="datetimeFigureOut">
               <a:rPr lang="en-US" dirty="0"/>
-              <a:t>1/16/2024</a:t>
+              <a:t>1/17/2024</a:t>
             </a:fld>
             <a:endParaRPr lang="en-US" dirty="0"/>
           </a:p>
@@ -1764,7 +1769,7 @@
           <a:p>
             <a:fld id="{E1037C31-9E7A-4F99-8774-A0E530DE1A42}" type="datetimeFigureOut">
               <a:rPr lang="en-US" dirty="0"/>
-              <a:t>1/16/2024</a:t>
+              <a:t>1/17/2024</a:t>
             </a:fld>
             <a:endParaRPr lang="en-US" dirty="0"/>
           </a:p>
@@ -1854,7 +1859,7 @@
           <a:p>
             <a:fld id="{C278504F-A551-4DE0-9316-4DCD1D8CC752}" type="datetimeFigureOut">
               <a:rPr lang="en-US" dirty="0"/>
-              <a:t>1/16/2024</a:t>
+              <a:t>1/17/2024</a:t>
             </a:fld>
             <a:endParaRPr lang="en-US" dirty="0"/>
           </a:p>
@@ -2206,7 +2211,7 @@
           <a:p>
             <a:fld id="{D1BE4249-C0D0-4B06-8692-E8BB871AF643}" type="datetimeFigureOut">
               <a:rPr lang="en-US" dirty="0"/>
-              <a:t>1/16/2024</a:t>
+              <a:t>1/17/2024</a:t>
             </a:fld>
             <a:endParaRPr lang="en-US" dirty="0"/>
           </a:p>
@@ -2558,7 +2563,7 @@
           <a:p>
             <a:fld id="{042B0DB6-F5C7-45FB-8CF3-31B45F9C2DAC}" type="datetimeFigureOut">
               <a:rPr lang="en-US" dirty="0"/>
-              <a:t>1/16/2024</a:t>
+              <a:t>1/17/2024</a:t>
             </a:fld>
             <a:endParaRPr lang="en-US" dirty="0"/>
           </a:p>
@@ -2794,7 +2799,7 @@
           <a:p>
             <a:fld id="{1160EA64-D806-43AC-9DF2-F8C432F32B4C}" type="datetimeFigureOut">
               <a:rPr lang="en-US" dirty="0"/>
-              <a:t>1/16/2024</a:t>
+              <a:t>1/17/2024</a:t>
             </a:fld>
             <a:endParaRPr lang="en-US" dirty="0"/>
           </a:p>
@@ -3259,12 +3264,12 @@
           <a:lstStyle/>
           <a:p>
             <a:r>
-              <a:rPr lang="en-US" dirty="0" smtClean="0">
+              <a:rPr lang="en-US" smtClean="0">
                 <a:latin typeface="Calibri" panose="020F0502020204030204" pitchFamily="34" charset="0"/>
                 <a:ea typeface="Calibri" panose="020F0502020204030204" pitchFamily="34" charset="0"/>
                 <a:cs typeface="Calibri" panose="020F0502020204030204" pitchFamily="34" charset="0"/>
               </a:rPr>
-              <a:t>react</a:t>
+              <a:t>Overview react</a:t>
             </a:r>
             <a:endParaRPr lang="en-US" dirty="0">
               <a:latin typeface="Calibri" panose="020F0502020204030204" pitchFamily="34" charset="0"/>
@@ -3990,7 +3995,6 @@
               <a:rPr lang="vi-VN" dirty="0"/>
               <a:t>Javascript ES6 (arrow function.v.v…)</a:t>
             </a:r>
-            <a:endParaRPr lang="vi-VN" dirty="0"/>
           </a:p>
         </p:txBody>
       </p:sp>
